--- a/documents/MR1_presentation.pptx
+++ b/documents/MR1_presentation.pptx
@@ -110,6 +110,11 @@
       </a:defRPr>
     </a:lvl9pPr>
   </p:defaultTextStyle>
+  <p:extLst>
+    <p:ext uri="{EFAFB233-063F-42B5-8137-9DF3F51BA10A}">
+      <p15:sldGuideLst xmlns:p15="http://schemas.microsoft.com/office/powerpoint/2012/main"/>
+    </p:ext>
+  </p:extLst>
 </p:presentation>
 </file>
 
@@ -299,7 +304,7 @@
           <a:p>
             <a:fld id="{944C4F3D-D207-4070-86C5-DABDE1FFC9F6}" type="datetimeFigureOut">
               <a:rPr lang="de-AT" smtClean="0"/>
-              <a:t>26.04.2017</a:t>
+              <a:t>27.04.2017</a:t>
             </a:fld>
             <a:endParaRPr lang="de-AT"/>
           </a:p>
@@ -574,7 +579,7 @@
           <a:p>
             <a:fld id="{944C4F3D-D207-4070-86C5-DABDE1FFC9F6}" type="datetimeFigureOut">
               <a:rPr lang="de-AT" smtClean="0"/>
-              <a:t>26.04.2017</a:t>
+              <a:t>27.04.2017</a:t>
             </a:fld>
             <a:endParaRPr lang="de-AT"/>
           </a:p>
@@ -768,7 +773,7 @@
           <a:p>
             <a:fld id="{944C4F3D-D207-4070-86C5-DABDE1FFC9F6}" type="datetimeFigureOut">
               <a:rPr lang="de-AT" smtClean="0"/>
-              <a:t>26.04.2017</a:t>
+              <a:t>27.04.2017</a:t>
             </a:fld>
             <a:endParaRPr lang="de-AT"/>
           </a:p>
@@ -1041,7 +1046,7 @@
           <a:p>
             <a:fld id="{944C4F3D-D207-4070-86C5-DABDE1FFC9F6}" type="datetimeFigureOut">
               <a:rPr lang="de-AT" smtClean="0"/>
-              <a:t>26.04.2017</a:t>
+              <a:t>27.04.2017</a:t>
             </a:fld>
             <a:endParaRPr lang="de-AT"/>
           </a:p>
@@ -1382,7 +1387,7 @@
           <a:p>
             <a:fld id="{944C4F3D-D207-4070-86C5-DABDE1FFC9F6}" type="datetimeFigureOut">
               <a:rPr lang="de-AT" smtClean="0"/>
-              <a:t>26.04.2017</a:t>
+              <a:t>27.04.2017</a:t>
             </a:fld>
             <a:endParaRPr lang="de-AT"/>
           </a:p>
@@ -2005,7 +2010,7 @@
           <a:p>
             <a:fld id="{944C4F3D-D207-4070-86C5-DABDE1FFC9F6}" type="datetimeFigureOut">
               <a:rPr lang="de-AT" smtClean="0"/>
-              <a:t>26.04.2017</a:t>
+              <a:t>27.04.2017</a:t>
             </a:fld>
             <a:endParaRPr lang="de-AT"/>
           </a:p>
@@ -2865,7 +2870,7 @@
           <a:p>
             <a:fld id="{944C4F3D-D207-4070-86C5-DABDE1FFC9F6}" type="datetimeFigureOut">
               <a:rPr lang="de-AT" smtClean="0"/>
-              <a:t>26.04.2017</a:t>
+              <a:t>27.04.2017</a:t>
             </a:fld>
             <a:endParaRPr lang="de-AT"/>
           </a:p>
@@ -3035,7 +3040,7 @@
           <a:p>
             <a:fld id="{944C4F3D-D207-4070-86C5-DABDE1FFC9F6}" type="datetimeFigureOut">
               <a:rPr lang="de-AT" smtClean="0"/>
-              <a:t>26.04.2017</a:t>
+              <a:t>27.04.2017</a:t>
             </a:fld>
             <a:endParaRPr lang="de-AT"/>
           </a:p>
@@ -3215,7 +3220,7 @@
           <a:p>
             <a:fld id="{944C4F3D-D207-4070-86C5-DABDE1FFC9F6}" type="datetimeFigureOut">
               <a:rPr lang="de-AT" smtClean="0"/>
-              <a:t>26.04.2017</a:t>
+              <a:t>27.04.2017</a:t>
             </a:fld>
             <a:endParaRPr lang="de-AT"/>
           </a:p>
@@ -3385,7 +3390,7 @@
           <a:p>
             <a:fld id="{944C4F3D-D207-4070-86C5-DABDE1FFC9F6}" type="datetimeFigureOut">
               <a:rPr lang="de-AT" smtClean="0"/>
-              <a:t>26.04.2017</a:t>
+              <a:t>27.04.2017</a:t>
             </a:fld>
             <a:endParaRPr lang="de-AT"/>
           </a:p>
@@ -3632,7 +3637,7 @@
           <a:p>
             <a:fld id="{944C4F3D-D207-4070-86C5-DABDE1FFC9F6}" type="datetimeFigureOut">
               <a:rPr lang="de-AT" smtClean="0"/>
-              <a:t>26.04.2017</a:t>
+              <a:t>27.04.2017</a:t>
             </a:fld>
             <a:endParaRPr lang="de-AT"/>
           </a:p>
@@ -3924,7 +3929,7 @@
           <a:p>
             <a:fld id="{944C4F3D-D207-4070-86C5-DABDE1FFC9F6}" type="datetimeFigureOut">
               <a:rPr lang="de-AT" smtClean="0"/>
-              <a:t>26.04.2017</a:t>
+              <a:t>27.04.2017</a:t>
             </a:fld>
             <a:endParaRPr lang="de-AT"/>
           </a:p>
@@ -4368,7 +4373,7 @@
           <a:p>
             <a:fld id="{944C4F3D-D207-4070-86C5-DABDE1FFC9F6}" type="datetimeFigureOut">
               <a:rPr lang="de-AT" smtClean="0"/>
-              <a:t>26.04.2017</a:t>
+              <a:t>27.04.2017</a:t>
             </a:fld>
             <a:endParaRPr lang="de-AT"/>
           </a:p>
@@ -4486,7 +4491,7 @@
           <a:p>
             <a:fld id="{944C4F3D-D207-4070-86C5-DABDE1FFC9F6}" type="datetimeFigureOut">
               <a:rPr lang="de-AT" smtClean="0"/>
-              <a:t>26.04.2017</a:t>
+              <a:t>27.04.2017</a:t>
             </a:fld>
             <a:endParaRPr lang="de-AT"/>
           </a:p>
@@ -4581,7 +4586,7 @@
           <a:p>
             <a:fld id="{944C4F3D-D207-4070-86C5-DABDE1FFC9F6}" type="datetimeFigureOut">
               <a:rPr lang="de-AT" smtClean="0"/>
-              <a:t>26.04.2017</a:t>
+              <a:t>27.04.2017</a:t>
             </a:fld>
             <a:endParaRPr lang="de-AT"/>
           </a:p>
@@ -4860,7 +4865,7 @@
           <a:p>
             <a:fld id="{944C4F3D-D207-4070-86C5-DABDE1FFC9F6}" type="datetimeFigureOut">
               <a:rPr lang="de-AT" smtClean="0"/>
-              <a:t>26.04.2017</a:t>
+              <a:t>27.04.2017</a:t>
             </a:fld>
             <a:endParaRPr lang="de-AT"/>
           </a:p>
@@ -5135,7 +5140,7 @@
           <a:p>
             <a:fld id="{944C4F3D-D207-4070-86C5-DABDE1FFC9F6}" type="datetimeFigureOut">
               <a:rPr lang="de-AT" smtClean="0"/>
-              <a:t>26.04.2017</a:t>
+              <a:t>27.04.2017</a:t>
             </a:fld>
             <a:endParaRPr lang="de-AT"/>
           </a:p>
@@ -5564,7 +5569,7 @@
           <a:p>
             <a:fld id="{944C4F3D-D207-4070-86C5-DABDE1FFC9F6}" type="datetimeFigureOut">
               <a:rPr lang="de-AT" smtClean="0"/>
-              <a:t>26.04.2017</a:t>
+              <a:t>27.04.2017</a:t>
             </a:fld>
             <a:endParaRPr lang="de-AT"/>
           </a:p>
@@ -6588,7 +6593,7 @@
       </p:sp>
       <p:pic>
         <p:nvPicPr>
-          <p:cNvPr id="4" name="Inhaltsplatzhalter 3"/>
+          <p:cNvPr id="5" name="Inhaltsplatzhalter 4"/>
           <p:cNvPicPr>
             <a:picLocks noGrp="1" noChangeAspect="1"/>
           </p:cNvPicPr>
@@ -6610,8 +6615,8 @@
         </p:blipFill>
         <p:spPr>
           <a:xfrm>
-            <a:off x="321362" y="2419350"/>
-            <a:ext cx="11624327" cy="3829049"/>
+            <a:off x="237140" y="2392070"/>
+            <a:ext cx="11635430" cy="3831699"/>
           </a:xfrm>
         </p:spPr>
       </p:pic>
@@ -6720,7 +6725,6 @@
               <a:rPr lang="de-AT" dirty="0"/>
               <a:t>Benutzerverwaltung</a:t>
             </a:r>
-            <a:endParaRPr lang="de-AT" dirty="0"/>
           </a:p>
         </p:txBody>
       </p:sp>

--- a/documents/MR1_presentation.pptx
+++ b/documents/MR1_presentation.pptx
@@ -304,7 +304,7 @@
           <a:p>
             <a:fld id="{944C4F3D-D207-4070-86C5-DABDE1FFC9F6}" type="datetimeFigureOut">
               <a:rPr lang="de-AT" smtClean="0"/>
-              <a:t>27.04.2017</a:t>
+              <a:t>28.04.17</a:t>
             </a:fld>
             <a:endParaRPr lang="de-AT"/>
           </a:p>
@@ -579,7 +579,7 @@
           <a:p>
             <a:fld id="{944C4F3D-D207-4070-86C5-DABDE1FFC9F6}" type="datetimeFigureOut">
               <a:rPr lang="de-AT" smtClean="0"/>
-              <a:t>27.04.2017</a:t>
+              <a:t>28.04.17</a:t>
             </a:fld>
             <a:endParaRPr lang="de-AT"/>
           </a:p>
@@ -773,7 +773,7 @@
           <a:p>
             <a:fld id="{944C4F3D-D207-4070-86C5-DABDE1FFC9F6}" type="datetimeFigureOut">
               <a:rPr lang="de-AT" smtClean="0"/>
-              <a:t>27.04.2017</a:t>
+              <a:t>28.04.17</a:t>
             </a:fld>
             <a:endParaRPr lang="de-AT"/>
           </a:p>
@@ -1046,7 +1046,7 @@
           <a:p>
             <a:fld id="{944C4F3D-D207-4070-86C5-DABDE1FFC9F6}" type="datetimeFigureOut">
               <a:rPr lang="de-AT" smtClean="0"/>
-              <a:t>27.04.2017</a:t>
+              <a:t>28.04.17</a:t>
             </a:fld>
             <a:endParaRPr lang="de-AT"/>
           </a:p>
@@ -1387,7 +1387,7 @@
           <a:p>
             <a:fld id="{944C4F3D-D207-4070-86C5-DABDE1FFC9F6}" type="datetimeFigureOut">
               <a:rPr lang="de-AT" smtClean="0"/>
-              <a:t>27.04.2017</a:t>
+              <a:t>28.04.17</a:t>
             </a:fld>
             <a:endParaRPr lang="de-AT"/>
           </a:p>
@@ -2010,7 +2010,7 @@
           <a:p>
             <a:fld id="{944C4F3D-D207-4070-86C5-DABDE1FFC9F6}" type="datetimeFigureOut">
               <a:rPr lang="de-AT" smtClean="0"/>
-              <a:t>27.04.2017</a:t>
+              <a:t>28.04.17</a:t>
             </a:fld>
             <a:endParaRPr lang="de-AT"/>
           </a:p>
@@ -2870,7 +2870,7 @@
           <a:p>
             <a:fld id="{944C4F3D-D207-4070-86C5-DABDE1FFC9F6}" type="datetimeFigureOut">
               <a:rPr lang="de-AT" smtClean="0"/>
-              <a:t>27.04.2017</a:t>
+              <a:t>28.04.17</a:t>
             </a:fld>
             <a:endParaRPr lang="de-AT"/>
           </a:p>
@@ -3040,7 +3040,7 @@
           <a:p>
             <a:fld id="{944C4F3D-D207-4070-86C5-DABDE1FFC9F6}" type="datetimeFigureOut">
               <a:rPr lang="de-AT" smtClean="0"/>
-              <a:t>27.04.2017</a:t>
+              <a:t>28.04.17</a:t>
             </a:fld>
             <a:endParaRPr lang="de-AT"/>
           </a:p>
@@ -3220,7 +3220,7 @@
           <a:p>
             <a:fld id="{944C4F3D-D207-4070-86C5-DABDE1FFC9F6}" type="datetimeFigureOut">
               <a:rPr lang="de-AT" smtClean="0"/>
-              <a:t>27.04.2017</a:t>
+              <a:t>28.04.17</a:t>
             </a:fld>
             <a:endParaRPr lang="de-AT"/>
           </a:p>
@@ -3390,7 +3390,7 @@
           <a:p>
             <a:fld id="{944C4F3D-D207-4070-86C5-DABDE1FFC9F6}" type="datetimeFigureOut">
               <a:rPr lang="de-AT" smtClean="0"/>
-              <a:t>27.04.2017</a:t>
+              <a:t>28.04.17</a:t>
             </a:fld>
             <a:endParaRPr lang="de-AT"/>
           </a:p>
@@ -3637,7 +3637,7 @@
           <a:p>
             <a:fld id="{944C4F3D-D207-4070-86C5-DABDE1FFC9F6}" type="datetimeFigureOut">
               <a:rPr lang="de-AT" smtClean="0"/>
-              <a:t>27.04.2017</a:t>
+              <a:t>28.04.17</a:t>
             </a:fld>
             <a:endParaRPr lang="de-AT"/>
           </a:p>
@@ -3929,7 +3929,7 @@
           <a:p>
             <a:fld id="{944C4F3D-D207-4070-86C5-DABDE1FFC9F6}" type="datetimeFigureOut">
               <a:rPr lang="de-AT" smtClean="0"/>
-              <a:t>27.04.2017</a:t>
+              <a:t>28.04.17</a:t>
             </a:fld>
             <a:endParaRPr lang="de-AT"/>
           </a:p>
@@ -4373,7 +4373,7 @@
           <a:p>
             <a:fld id="{944C4F3D-D207-4070-86C5-DABDE1FFC9F6}" type="datetimeFigureOut">
               <a:rPr lang="de-AT" smtClean="0"/>
-              <a:t>27.04.2017</a:t>
+              <a:t>28.04.17</a:t>
             </a:fld>
             <a:endParaRPr lang="de-AT"/>
           </a:p>
@@ -4491,7 +4491,7 @@
           <a:p>
             <a:fld id="{944C4F3D-D207-4070-86C5-DABDE1FFC9F6}" type="datetimeFigureOut">
               <a:rPr lang="de-AT" smtClean="0"/>
-              <a:t>27.04.2017</a:t>
+              <a:t>28.04.17</a:t>
             </a:fld>
             <a:endParaRPr lang="de-AT"/>
           </a:p>
@@ -4586,7 +4586,7 @@
           <a:p>
             <a:fld id="{944C4F3D-D207-4070-86C5-DABDE1FFC9F6}" type="datetimeFigureOut">
               <a:rPr lang="de-AT" smtClean="0"/>
-              <a:t>27.04.2017</a:t>
+              <a:t>28.04.17</a:t>
             </a:fld>
             <a:endParaRPr lang="de-AT"/>
           </a:p>
@@ -4865,7 +4865,7 @@
           <a:p>
             <a:fld id="{944C4F3D-D207-4070-86C5-DABDE1FFC9F6}" type="datetimeFigureOut">
               <a:rPr lang="de-AT" smtClean="0"/>
-              <a:t>27.04.2017</a:t>
+              <a:t>28.04.17</a:t>
             </a:fld>
             <a:endParaRPr lang="de-AT"/>
           </a:p>
@@ -5140,7 +5140,7 @@
           <a:p>
             <a:fld id="{944C4F3D-D207-4070-86C5-DABDE1FFC9F6}" type="datetimeFigureOut">
               <a:rPr lang="de-AT" smtClean="0"/>
-              <a:t>27.04.2017</a:t>
+              <a:t>28.04.17</a:t>
             </a:fld>
             <a:endParaRPr lang="de-AT"/>
           </a:p>
@@ -5569,7 +5569,7 @@
           <a:p>
             <a:fld id="{944C4F3D-D207-4070-86C5-DABDE1FFC9F6}" type="datetimeFigureOut">
               <a:rPr lang="de-AT" smtClean="0"/>
-              <a:t>27.04.2017</a:t>
+              <a:t>28.04.17</a:t>
             </a:fld>
             <a:endParaRPr lang="de-AT"/>
           </a:p>
@@ -6782,7 +6782,11 @@
           <a:p>
             <a:r>
               <a:rPr lang="de-AT" dirty="0" smtClean="0"/>
-              <a:t>Anforderungen (Funktional &amp; Nicht-Funktional)</a:t>
+              <a:t>Nicht-Funktional</a:t>
+            </a:r>
+            <a:r>
+              <a:rPr lang="de-AT" dirty="0" smtClean="0"/>
+              <a:t>e Anforderungen</a:t>
             </a:r>
             <a:endParaRPr lang="de-AT" dirty="0"/>
           </a:p>
@@ -6798,18 +6802,75 @@
             <p:ph idx="1"/>
           </p:nvPr>
         </p:nvSpPr>
-        <p:spPr/>
+        <p:spPr>
+          <a:xfrm>
+            <a:off x="1103312" y="2052918"/>
+            <a:ext cx="8946541" cy="4407517"/>
+          </a:xfrm>
+        </p:spPr>
         <p:txBody>
           <a:bodyPr>
-            <a:normAutofit/>
+            <a:normAutofit lnSpcReduction="10000"/>
           </a:bodyPr>
           <a:lstStyle/>
           <a:p>
             <a:r>
-              <a:rPr lang="de-AT" sz="4500" dirty="0" smtClean="0"/>
-              <a:t>//TODO</a:t>
-            </a:r>
-            <a:endParaRPr lang="de-AT" sz="4500" dirty="0"/>
+              <a:rPr lang="de-AT" sz="2400" dirty="0" smtClean="0"/>
+              <a:t>Usability: jede User Story in maximal </a:t>
+            </a:r>
+            <a:r>
+              <a:rPr lang="de-AT" sz="2400" smtClean="0"/>
+              <a:t>fünf Klicks durchführbar</a:t>
+            </a:r>
+            <a:endParaRPr lang="de-AT" sz="2400" dirty="0" smtClean="0"/>
+          </a:p>
+          <a:p>
+            <a:r>
+              <a:rPr lang="de-AT" sz="2400" dirty="0" smtClean="0"/>
+              <a:t>Performance: Jede Operation soll in mindestens 2 Sekunden zu einem für den Nutzer sichtbaren Ergebnis führen</a:t>
+            </a:r>
+          </a:p>
+          <a:p>
+            <a:r>
+              <a:rPr lang="de-AT" sz="2400" dirty="0" smtClean="0"/>
+              <a:t>Security: </a:t>
+            </a:r>
+          </a:p>
+          <a:p>
+            <a:pPr lvl="1"/>
+            <a:r>
+              <a:rPr lang="de-AT" sz="2200" dirty="0" smtClean="0"/>
+              <a:t>Anwendung muss gegen SQL-</a:t>
+            </a:r>
+            <a:r>
+              <a:rPr lang="de-AT" sz="2200" dirty="0" err="1" smtClean="0"/>
+              <a:t>Injecitons</a:t>
+            </a:r>
+            <a:r>
+              <a:rPr lang="de-AT" sz="2200" dirty="0" smtClean="0"/>
+              <a:t> geschützt sein.</a:t>
+            </a:r>
+          </a:p>
+          <a:p>
+            <a:pPr lvl="1"/>
+            <a:r>
+              <a:rPr lang="de-AT" sz="2200" dirty="0" smtClean="0"/>
+              <a:t>Berechtigungen: Alle User Stories dürfen nur von der entsprechenden Nutzergruppe ausgeführt werden</a:t>
+            </a:r>
+          </a:p>
+          <a:p>
+            <a:pPr lvl="1"/>
+            <a:r>
+              <a:rPr lang="de-AT" sz="2200" dirty="0" smtClean="0"/>
+              <a:t>Kryptographie: Passwörter werden nicht im Klartext gespeichert.</a:t>
+            </a:r>
+          </a:p>
+          <a:p>
+            <a:pPr lvl="1"/>
+            <a:endParaRPr lang="de-AT" sz="2200" dirty="0" smtClean="0"/>
+          </a:p>
+          <a:p>
+            <a:endParaRPr lang="de-AT" sz="2400" dirty="0"/>
           </a:p>
         </p:txBody>
       </p:sp>

--- a/documents/MR1_presentation.pptx
+++ b/documents/MR1_presentation.pptx
@@ -304,7 +304,7 @@
           <a:p>
             <a:fld id="{944C4F3D-D207-4070-86C5-DABDE1FFC9F6}" type="datetimeFigureOut">
               <a:rPr lang="de-AT" smtClean="0"/>
-              <a:t>28.04.17</a:t>
+              <a:t>28.04.2017</a:t>
             </a:fld>
             <a:endParaRPr lang="de-AT"/>
           </a:p>
@@ -579,7 +579,7 @@
           <a:p>
             <a:fld id="{944C4F3D-D207-4070-86C5-DABDE1FFC9F6}" type="datetimeFigureOut">
               <a:rPr lang="de-AT" smtClean="0"/>
-              <a:t>28.04.17</a:t>
+              <a:t>28.04.2017</a:t>
             </a:fld>
             <a:endParaRPr lang="de-AT"/>
           </a:p>
@@ -773,7 +773,7 @@
           <a:p>
             <a:fld id="{944C4F3D-D207-4070-86C5-DABDE1FFC9F6}" type="datetimeFigureOut">
               <a:rPr lang="de-AT" smtClean="0"/>
-              <a:t>28.04.17</a:t>
+              <a:t>28.04.2017</a:t>
             </a:fld>
             <a:endParaRPr lang="de-AT"/>
           </a:p>
@@ -1046,7 +1046,7 @@
           <a:p>
             <a:fld id="{944C4F3D-D207-4070-86C5-DABDE1FFC9F6}" type="datetimeFigureOut">
               <a:rPr lang="de-AT" smtClean="0"/>
-              <a:t>28.04.17</a:t>
+              <a:t>28.04.2017</a:t>
             </a:fld>
             <a:endParaRPr lang="de-AT"/>
           </a:p>
@@ -1387,7 +1387,7 @@
           <a:p>
             <a:fld id="{944C4F3D-D207-4070-86C5-DABDE1FFC9F6}" type="datetimeFigureOut">
               <a:rPr lang="de-AT" smtClean="0"/>
-              <a:t>28.04.17</a:t>
+              <a:t>28.04.2017</a:t>
             </a:fld>
             <a:endParaRPr lang="de-AT"/>
           </a:p>
@@ -2010,7 +2010,7 @@
           <a:p>
             <a:fld id="{944C4F3D-D207-4070-86C5-DABDE1FFC9F6}" type="datetimeFigureOut">
               <a:rPr lang="de-AT" smtClean="0"/>
-              <a:t>28.04.17</a:t>
+              <a:t>28.04.2017</a:t>
             </a:fld>
             <a:endParaRPr lang="de-AT"/>
           </a:p>
@@ -2870,7 +2870,7 @@
           <a:p>
             <a:fld id="{944C4F3D-D207-4070-86C5-DABDE1FFC9F6}" type="datetimeFigureOut">
               <a:rPr lang="de-AT" smtClean="0"/>
-              <a:t>28.04.17</a:t>
+              <a:t>28.04.2017</a:t>
             </a:fld>
             <a:endParaRPr lang="de-AT"/>
           </a:p>
@@ -3040,7 +3040,7 @@
           <a:p>
             <a:fld id="{944C4F3D-D207-4070-86C5-DABDE1FFC9F6}" type="datetimeFigureOut">
               <a:rPr lang="de-AT" smtClean="0"/>
-              <a:t>28.04.17</a:t>
+              <a:t>28.04.2017</a:t>
             </a:fld>
             <a:endParaRPr lang="de-AT"/>
           </a:p>
@@ -3220,7 +3220,7 @@
           <a:p>
             <a:fld id="{944C4F3D-D207-4070-86C5-DABDE1FFC9F6}" type="datetimeFigureOut">
               <a:rPr lang="de-AT" smtClean="0"/>
-              <a:t>28.04.17</a:t>
+              <a:t>28.04.2017</a:t>
             </a:fld>
             <a:endParaRPr lang="de-AT"/>
           </a:p>
@@ -3390,7 +3390,7 @@
           <a:p>
             <a:fld id="{944C4F3D-D207-4070-86C5-DABDE1FFC9F6}" type="datetimeFigureOut">
               <a:rPr lang="de-AT" smtClean="0"/>
-              <a:t>28.04.17</a:t>
+              <a:t>28.04.2017</a:t>
             </a:fld>
             <a:endParaRPr lang="de-AT"/>
           </a:p>
@@ -3637,7 +3637,7 @@
           <a:p>
             <a:fld id="{944C4F3D-D207-4070-86C5-DABDE1FFC9F6}" type="datetimeFigureOut">
               <a:rPr lang="de-AT" smtClean="0"/>
-              <a:t>28.04.17</a:t>
+              <a:t>28.04.2017</a:t>
             </a:fld>
             <a:endParaRPr lang="de-AT"/>
           </a:p>
@@ -3929,7 +3929,7 @@
           <a:p>
             <a:fld id="{944C4F3D-D207-4070-86C5-DABDE1FFC9F6}" type="datetimeFigureOut">
               <a:rPr lang="de-AT" smtClean="0"/>
-              <a:t>28.04.17</a:t>
+              <a:t>28.04.2017</a:t>
             </a:fld>
             <a:endParaRPr lang="de-AT"/>
           </a:p>
@@ -4373,7 +4373,7 @@
           <a:p>
             <a:fld id="{944C4F3D-D207-4070-86C5-DABDE1FFC9F6}" type="datetimeFigureOut">
               <a:rPr lang="de-AT" smtClean="0"/>
-              <a:t>28.04.17</a:t>
+              <a:t>28.04.2017</a:t>
             </a:fld>
             <a:endParaRPr lang="de-AT"/>
           </a:p>
@@ -4491,7 +4491,7 @@
           <a:p>
             <a:fld id="{944C4F3D-D207-4070-86C5-DABDE1FFC9F6}" type="datetimeFigureOut">
               <a:rPr lang="de-AT" smtClean="0"/>
-              <a:t>28.04.17</a:t>
+              <a:t>28.04.2017</a:t>
             </a:fld>
             <a:endParaRPr lang="de-AT"/>
           </a:p>
@@ -4586,7 +4586,7 @@
           <a:p>
             <a:fld id="{944C4F3D-D207-4070-86C5-DABDE1FFC9F6}" type="datetimeFigureOut">
               <a:rPr lang="de-AT" smtClean="0"/>
-              <a:t>28.04.17</a:t>
+              <a:t>28.04.2017</a:t>
             </a:fld>
             <a:endParaRPr lang="de-AT"/>
           </a:p>
@@ -4865,7 +4865,7 @@
           <a:p>
             <a:fld id="{944C4F3D-D207-4070-86C5-DABDE1FFC9F6}" type="datetimeFigureOut">
               <a:rPr lang="de-AT" smtClean="0"/>
-              <a:t>28.04.17</a:t>
+              <a:t>28.04.2017</a:t>
             </a:fld>
             <a:endParaRPr lang="de-AT"/>
           </a:p>
@@ -5140,7 +5140,7 @@
           <a:p>
             <a:fld id="{944C4F3D-D207-4070-86C5-DABDE1FFC9F6}" type="datetimeFigureOut">
               <a:rPr lang="de-AT" smtClean="0"/>
-              <a:t>28.04.17</a:t>
+              <a:t>28.04.2017</a:t>
             </a:fld>
             <a:endParaRPr lang="de-AT"/>
           </a:p>
@@ -5569,7 +5569,7 @@
           <a:p>
             <a:fld id="{944C4F3D-D207-4070-86C5-DABDE1FFC9F6}" type="datetimeFigureOut">
               <a:rPr lang="de-AT" smtClean="0"/>
-              <a:t>28.04.17</a:t>
+              <a:t>28.04.2017</a:t>
             </a:fld>
             <a:endParaRPr lang="de-AT"/>
           </a:p>
@@ -6697,14 +6697,16 @@
           </a:xfrm>
         </p:spPr>
         <p:txBody>
-          <a:bodyPr/>
+          <a:bodyPr>
+            <a:normAutofit/>
+          </a:bodyPr>
           <a:lstStyle/>
           <a:p>
             <a:pPr marL="0" indent="0">
               <a:buNone/>
             </a:pPr>
             <a:r>
-              <a:rPr lang="de-AT" dirty="0" smtClean="0"/>
+              <a:rPr lang="de-AT" sz="2200" dirty="0" smtClean="0"/>
               <a:t>Gewählt wurden:</a:t>
             </a:r>
           </a:p>
@@ -6712,17 +6714,17 @@
             <a:pPr marL="0" indent="0">
               <a:buNone/>
             </a:pPr>
-            <a:endParaRPr lang="de-AT" dirty="0" smtClean="0"/>
-          </a:p>
-          <a:p>
-            <a:r>
-              <a:rPr lang="de-AT" dirty="0" smtClean="0"/>
+            <a:endParaRPr lang="de-AT" sz="2200" dirty="0" smtClean="0"/>
+          </a:p>
+          <a:p>
+            <a:r>
+              <a:rPr lang="de-AT" sz="2200" dirty="0" smtClean="0"/>
               <a:t>Zahlungsabwicklung</a:t>
             </a:r>
           </a:p>
           <a:p>
             <a:r>
-              <a:rPr lang="de-AT" dirty="0"/>
+              <a:rPr lang="de-AT" sz="2200" dirty="0"/>
               <a:t>Benutzerverwaltung</a:t>
             </a:r>
           </a:p>
@@ -6782,11 +6784,7 @@
           <a:p>
             <a:r>
               <a:rPr lang="de-AT" dirty="0" smtClean="0"/>
-              <a:t>Nicht-Funktional</a:t>
-            </a:r>
-            <a:r>
-              <a:rPr lang="de-AT" dirty="0" smtClean="0"/>
-              <a:t>e Anforderungen</a:t>
+              <a:t>Nicht-Funktionale Anforderungen</a:t>
             </a:r>
             <a:endParaRPr lang="de-AT" dirty="0"/>
           </a:p>
@@ -6810,24 +6808,17 @@
         </p:spPr>
         <p:txBody>
           <a:bodyPr>
-            <a:normAutofit lnSpcReduction="10000"/>
+            <a:normAutofit/>
           </a:bodyPr>
           <a:lstStyle/>
           <a:p>
             <a:r>
               <a:rPr lang="de-AT" sz="2400" dirty="0" smtClean="0"/>
-              <a:t>Usability: jede User Story in maximal </a:t>
-            </a:r>
-            <a:r>
-              <a:rPr lang="de-AT" sz="2400" smtClean="0"/>
-              <a:t>fünf Klicks durchführbar</a:t>
-            </a:r>
-            <a:endParaRPr lang="de-AT" sz="2400" dirty="0" smtClean="0"/>
-          </a:p>
-          <a:p>
+              <a:t>Performance</a:t>
+            </a:r>
             <a:r>
               <a:rPr lang="de-AT" sz="2400" dirty="0" smtClean="0"/>
-              <a:t>Performance: Jede Operation soll in mindestens 2 Sekunden zu einem für den Nutzer sichtbaren Ergebnis führen</a:t>
+              <a:t>: Jede Operation soll in mindestens 2 Sekunden zu einem für den Nutzer sichtbaren Ergebnis führen</a:t>
             </a:r>
           </a:p>
           <a:p>
